--- a/note/RNN.pptx
+++ b/note/RNN.pptx
@@ -3439,8 +3439,8 @@
               </a:p>
             </p:txBody>
           </p:sp>
-          <mc:AlternateContent xmlns:mc="http://schemas.openxmlformats.org/markup-compatibility/2006" xmlns:a14="http://schemas.microsoft.com/office/drawing/2010/main">
-            <mc:Choice Requires="a14">
+          <mc:AlternateContent xmlns:mc="http://schemas.openxmlformats.org/markup-compatibility/2006">
+            <mc:Choice xmlns:a14="http://schemas.microsoft.com/office/drawing/2010/main" Requires="a14">
               <p:sp>
                 <p:nvSpPr>
                   <p:cNvPr id="5" name="文本框 4">
@@ -3456,7 +3456,7 @@
                 <p:spPr>
                   <a:xfrm>
                     <a:off x="2068128" y="1220352"/>
-                    <a:ext cx="186205" cy="276999"/>
+                    <a:ext cx="191527" cy="276999"/>
                   </a:xfrm>
                   <a:prstGeom prst="rect">
                     <a:avLst/>
@@ -3477,14 +3477,11 @@
                         </m:oMathParaPr>
                         <m:oMath xmlns:m="http://schemas.openxmlformats.org/officeDocument/2006/math">
                           <m:r>
-                            <m:rPr>
-                              <m:sty m:val="p"/>
-                            </m:rPr>
-                            <a:rPr lang="en-US" altLang="zh-CN" b="0" i="0" smtClean="0">
+                            <a:rPr lang="en-US" altLang="zh-CN" b="0" i="1" smtClean="0">
                               <a:latin typeface="Cambria Math" panose="02040503050406030204" pitchFamily="18" charset="0"/>
                               <a:cs typeface="Times New Roman" panose="02020603050405020304" pitchFamily="18" charset="0"/>
                             </a:rPr>
-                            <m:t>o</m:t>
+                            <m:t>𝑦</m:t>
                           </m:r>
                         </m:oMath>
                       </m:oMathPara>
@@ -3497,7 +3494,7 @@
                 </p:txBody>
               </p:sp>
             </mc:Choice>
-            <mc:Fallback xmlns="">
+            <mc:Fallback>
               <p:sp>
                 <p:nvSpPr>
                   <p:cNvPr id="5" name="文本框 4">
@@ -3515,7 +3512,7 @@
                 <p:spPr>
                   <a:xfrm>
                     <a:off x="2068128" y="1220352"/>
-                    <a:ext cx="186205" cy="276999"/>
+                    <a:ext cx="191527" cy="276999"/>
                   </a:xfrm>
                   <a:prstGeom prst="rect">
                     <a:avLst/>
@@ -3523,7 +3520,7 @@
                   <a:blipFill>
                     <a:blip r:embed="rId2"/>
                     <a:stretch>
-                      <a:fillRect l="-16129" r="-12903"/>
+                      <a:fillRect l="-28125" r="-25000" b="-26087"/>
                     </a:stretch>
                   </a:blipFill>
                 </p:spPr>
@@ -4173,8 +4170,8 @@
             </a:p>
           </p:txBody>
         </p:sp>
-        <mc:AlternateContent xmlns:mc="http://schemas.openxmlformats.org/markup-compatibility/2006" xmlns:a14="http://schemas.microsoft.com/office/drawing/2010/main">
-          <mc:Choice Requires="a14">
+        <mc:AlternateContent xmlns:mc="http://schemas.openxmlformats.org/markup-compatibility/2006">
+          <mc:Choice xmlns:a14="http://schemas.microsoft.com/office/drawing/2010/main" Requires="a14">
             <p:sp>
               <p:nvSpPr>
                 <p:cNvPr id="122" name="文本框 121">
@@ -4190,7 +4187,7 @@
               <p:spPr>
                 <a:xfrm>
                   <a:off x="5095549" y="1220352"/>
-                  <a:ext cx="416717" cy="276999"/>
+                  <a:ext cx="482120" cy="276999"/>
                 </a:xfrm>
                 <a:prstGeom prst="rect">
                   <a:avLst/>
@@ -4224,11 +4221,11 @@
                               <m:rPr>
                                 <m:sty m:val="p"/>
                               </m:rPr>
-                              <a:rPr lang="en-US" altLang="zh-CN" b="0" i="0" smtClean="0">
+                              <a:rPr lang="en-US" altLang="zh-CN" i="1">
                                 <a:latin typeface="Cambria Math" panose="02040503050406030204" pitchFamily="18" charset="0"/>
                                 <a:cs typeface="Times New Roman" panose="02020603050405020304" pitchFamily="18" charset="0"/>
                               </a:rPr>
-                              <m:t>o</m:t>
+                              <m:t>y</m:t>
                             </m:r>
                           </m:e>
                           <m:sub>
@@ -4266,7 +4263,7 @@
               </p:txBody>
             </p:sp>
           </mc:Choice>
-          <mc:Fallback xmlns="">
+          <mc:Fallback>
             <p:sp>
               <p:nvSpPr>
                 <p:cNvPr id="122" name="文本框 121">
@@ -4284,7 +4281,7 @@
               <p:spPr>
                 <a:xfrm>
                   <a:off x="5095549" y="1220352"/>
-                  <a:ext cx="416717" cy="276999"/>
+                  <a:ext cx="482120" cy="276999"/>
                 </a:xfrm>
                 <a:prstGeom prst="rect">
                   <a:avLst/>
@@ -4292,7 +4289,7 @@
                 <a:blipFill>
                   <a:blip r:embed="rId4"/>
                   <a:stretch>
-                    <a:fillRect l="-7353" r="-4412" b="-17391"/>
+                    <a:fillRect l="-11392" r="-3797" b="-26087"/>
                   </a:stretch>
                 </a:blipFill>
               </p:spPr>
@@ -4949,8 +4946,8 @@
               </a:p>
             </p:txBody>
           </p:sp>
-          <mc:AlternateContent xmlns:mc="http://schemas.openxmlformats.org/markup-compatibility/2006" xmlns:a14="http://schemas.microsoft.com/office/drawing/2010/main">
-            <mc:Choice Requires="a14">
+          <mc:AlternateContent xmlns:mc="http://schemas.openxmlformats.org/markup-compatibility/2006">
+            <mc:Choice xmlns:a14="http://schemas.microsoft.com/office/drawing/2010/main" Requires="a14">
               <p:sp>
                 <p:nvSpPr>
                   <p:cNvPr id="148" name="文本框 147">
@@ -4965,8 +4962,8 @@
                 </p:nvSpPr>
                 <p:spPr>
                   <a:xfrm>
-                    <a:off x="2039553" y="1220352"/>
-                    <a:ext cx="267316" cy="276999"/>
+                    <a:off x="2065929" y="1220352"/>
+                    <a:ext cx="262508" cy="276999"/>
                   </a:xfrm>
                   <a:prstGeom prst="rect">
                     <a:avLst/>
@@ -5004,7 +5001,7 @@
                                   <a:latin typeface="Cambria Math" panose="02040503050406030204" pitchFamily="18" charset="0"/>
                                   <a:cs typeface="Times New Roman" panose="02020603050405020304" pitchFamily="18" charset="0"/>
                                 </a:rPr>
-                                <m:t>o</m:t>
+                                <m:t>y</m:t>
                               </m:r>
                             </m:e>
                             <m:sub>
@@ -5028,7 +5025,7 @@
                 </p:txBody>
               </p:sp>
             </mc:Choice>
-            <mc:Fallback xmlns="">
+            <mc:Fallback>
               <p:sp>
                 <p:nvSpPr>
                   <p:cNvPr id="148" name="文本框 147">
@@ -5045,8 +5042,8 @@
                 </p:nvSpPr>
                 <p:spPr>
                   <a:xfrm>
-                    <a:off x="2039553" y="1220352"/>
-                    <a:ext cx="267316" cy="276999"/>
+                    <a:off x="2065929" y="1220352"/>
+                    <a:ext cx="262508" cy="276999"/>
                   </a:xfrm>
                   <a:prstGeom prst="rect">
                     <a:avLst/>
@@ -5054,7 +5051,7 @@
                   <a:blipFill>
                     <a:blip r:embed="rId7"/>
                     <a:stretch>
-                      <a:fillRect l="-11364" r="-4545" b="-15217"/>
+                      <a:fillRect l="-20930" r="-4651" b="-26087"/>
                     </a:stretch>
                   </a:blipFill>
                 </p:spPr>
@@ -5822,8 +5819,8 @@
               </a:p>
             </p:txBody>
           </p:sp>
-          <mc:AlternateContent xmlns:mc="http://schemas.openxmlformats.org/markup-compatibility/2006" xmlns:a14="http://schemas.microsoft.com/office/drawing/2010/main">
-            <mc:Choice Requires="a14">
+          <mc:AlternateContent xmlns:mc="http://schemas.openxmlformats.org/markup-compatibility/2006">
+            <mc:Choice xmlns:a14="http://schemas.microsoft.com/office/drawing/2010/main" Requires="a14">
               <p:sp>
                 <p:nvSpPr>
                   <p:cNvPr id="178" name="文本框 177">
@@ -5838,8 +5835,8 @@
                 </p:nvSpPr>
                 <p:spPr>
                   <a:xfrm>
-                    <a:off x="1944303" y="1220352"/>
-                    <a:ext cx="486928" cy="276999"/>
+                    <a:off x="1953095" y="1220352"/>
+                    <a:ext cx="482120" cy="276999"/>
                   </a:xfrm>
                   <a:prstGeom prst="rect">
                     <a:avLst/>
@@ -5877,7 +5874,7 @@
                                   <a:latin typeface="Cambria Math" panose="02040503050406030204" pitchFamily="18" charset="0"/>
                                   <a:cs typeface="Times New Roman" panose="02020603050405020304" pitchFamily="18" charset="0"/>
                                 </a:rPr>
-                                <m:t>o</m:t>
+                                <m:t>y</m:t>
                               </m:r>
                             </m:e>
                             <m:sub>
@@ -5908,7 +5905,7 @@
                 </p:txBody>
               </p:sp>
             </mc:Choice>
-            <mc:Fallback xmlns="">
+            <mc:Fallback>
               <p:sp>
                 <p:nvSpPr>
                   <p:cNvPr id="178" name="文本框 177">
@@ -5925,8 +5922,8 @@
                 </p:nvSpPr>
                 <p:spPr>
                   <a:xfrm>
-                    <a:off x="1944303" y="1220352"/>
-                    <a:ext cx="486928" cy="276999"/>
+                    <a:off x="1953095" y="1220352"/>
+                    <a:ext cx="482120" cy="276999"/>
                   </a:xfrm>
                   <a:prstGeom prst="rect">
                     <a:avLst/>
@@ -5934,7 +5931,7 @@
                   <a:blipFill>
                     <a:blip r:embed="rId10"/>
                     <a:stretch>
-                      <a:fillRect l="-6250" r="-2500" b="-17391"/>
+                      <a:fillRect l="-11392" r="-5063" b="-26087"/>
                     </a:stretch>
                   </a:blipFill>
                 </p:spPr>
